--- a/プレゼンテーション1.pptx
+++ b/プレゼンテーション1.pptx
@@ -6,6 +6,7 @@
   </p:sldMasterIdLst>
   <p:sldIdLst>
     <p:sldId id="256" r:id="rId2"/>
+    <p:sldId id="257" r:id="rId3"/>
   </p:sldIdLst>
   <p:sldSz cx="9906000" cy="6858000" type="A4"/>
   <p:notesSz cx="6858000" cy="9144000"/>
@@ -243,7 +244,7 @@
           <a:p>
             <a:fld id="{F9D9EAC9-E840-4505-88FB-0E7FAF10200A}" type="datetimeFigureOut">
               <a:rPr kumimoji="1" lang="ja-JP" altLang="en-US" smtClean="0"/>
-              <a:t>2022/11/3</a:t>
+              <a:t>2022/11/4</a:t>
             </a:fld>
             <a:endParaRPr kumimoji="1" lang="ja-JP" altLang="en-US"/>
           </a:p>
@@ -445,7 +446,7 @@
           <a:p>
             <a:fld id="{F9D9EAC9-E840-4505-88FB-0E7FAF10200A}" type="datetimeFigureOut">
               <a:rPr kumimoji="1" lang="ja-JP" altLang="en-US" smtClean="0"/>
-              <a:t>2022/11/3</a:t>
+              <a:t>2022/11/4</a:t>
             </a:fld>
             <a:endParaRPr kumimoji="1" lang="ja-JP" altLang="en-US"/>
           </a:p>
@@ -657,7 +658,7 @@
           <a:p>
             <a:fld id="{F9D9EAC9-E840-4505-88FB-0E7FAF10200A}" type="datetimeFigureOut">
               <a:rPr kumimoji="1" lang="ja-JP" altLang="en-US" smtClean="0"/>
-              <a:t>2022/11/3</a:t>
+              <a:t>2022/11/4</a:t>
             </a:fld>
             <a:endParaRPr kumimoji="1" lang="ja-JP" altLang="en-US"/>
           </a:p>
@@ -859,7 +860,7 @@
           <a:p>
             <a:fld id="{F9D9EAC9-E840-4505-88FB-0E7FAF10200A}" type="datetimeFigureOut">
               <a:rPr kumimoji="1" lang="ja-JP" altLang="en-US" smtClean="0"/>
-              <a:t>2022/11/3</a:t>
+              <a:t>2022/11/4</a:t>
             </a:fld>
             <a:endParaRPr kumimoji="1" lang="ja-JP" altLang="en-US"/>
           </a:p>
@@ -1103,7 +1104,7 @@
           <a:p>
             <a:fld id="{F9D9EAC9-E840-4505-88FB-0E7FAF10200A}" type="datetimeFigureOut">
               <a:rPr kumimoji="1" lang="ja-JP" altLang="en-US" smtClean="0"/>
-              <a:t>2022/11/3</a:t>
+              <a:t>2022/11/4</a:t>
             </a:fld>
             <a:endParaRPr kumimoji="1" lang="ja-JP" altLang="en-US"/>
           </a:p>
@@ -1399,7 +1400,7 @@
           <a:p>
             <a:fld id="{F9D9EAC9-E840-4505-88FB-0E7FAF10200A}" type="datetimeFigureOut">
               <a:rPr kumimoji="1" lang="ja-JP" altLang="en-US" smtClean="0"/>
-              <a:t>2022/11/3</a:t>
+              <a:t>2022/11/4</a:t>
             </a:fld>
             <a:endParaRPr kumimoji="1" lang="ja-JP" altLang="en-US"/>
           </a:p>
@@ -1830,7 +1831,7 @@
           <a:p>
             <a:fld id="{F9D9EAC9-E840-4505-88FB-0E7FAF10200A}" type="datetimeFigureOut">
               <a:rPr kumimoji="1" lang="ja-JP" altLang="en-US" smtClean="0"/>
-              <a:t>2022/11/3</a:t>
+              <a:t>2022/11/4</a:t>
             </a:fld>
             <a:endParaRPr kumimoji="1" lang="ja-JP" altLang="en-US"/>
           </a:p>
@@ -1948,7 +1949,7 @@
           <a:p>
             <a:fld id="{F9D9EAC9-E840-4505-88FB-0E7FAF10200A}" type="datetimeFigureOut">
               <a:rPr kumimoji="1" lang="ja-JP" altLang="en-US" smtClean="0"/>
-              <a:t>2022/11/3</a:t>
+              <a:t>2022/11/4</a:t>
             </a:fld>
             <a:endParaRPr kumimoji="1" lang="ja-JP" altLang="en-US"/>
           </a:p>
@@ -2043,7 +2044,7 @@
           <a:p>
             <a:fld id="{F9D9EAC9-E840-4505-88FB-0E7FAF10200A}" type="datetimeFigureOut">
               <a:rPr kumimoji="1" lang="ja-JP" altLang="en-US" smtClean="0"/>
-              <a:t>2022/11/3</a:t>
+              <a:t>2022/11/4</a:t>
             </a:fld>
             <a:endParaRPr kumimoji="1" lang="ja-JP" altLang="en-US"/>
           </a:p>
@@ -2352,7 +2353,7 @@
           <a:p>
             <a:fld id="{F9D9EAC9-E840-4505-88FB-0E7FAF10200A}" type="datetimeFigureOut">
               <a:rPr kumimoji="1" lang="ja-JP" altLang="en-US" smtClean="0"/>
-              <a:t>2022/11/3</a:t>
+              <a:t>2022/11/4</a:t>
             </a:fld>
             <a:endParaRPr kumimoji="1" lang="ja-JP" altLang="en-US"/>
           </a:p>
@@ -2609,7 +2610,7 @@
           <a:p>
             <a:fld id="{F9D9EAC9-E840-4505-88FB-0E7FAF10200A}" type="datetimeFigureOut">
               <a:rPr kumimoji="1" lang="ja-JP" altLang="en-US" smtClean="0"/>
-              <a:t>2022/11/3</a:t>
+              <a:t>2022/11/4</a:t>
             </a:fld>
             <a:endParaRPr kumimoji="1" lang="ja-JP" altLang="en-US"/>
           </a:p>
@@ -2854,7 +2855,7 @@
           <a:p>
             <a:fld id="{F9D9EAC9-E840-4505-88FB-0E7FAF10200A}" type="datetimeFigureOut">
               <a:rPr kumimoji="1" lang="ja-JP" altLang="en-US" smtClean="0"/>
-              <a:t>2022/11/3</a:t>
+              <a:t>2022/11/4</a:t>
             </a:fld>
             <a:endParaRPr kumimoji="1" lang="ja-JP" altLang="en-US"/>
           </a:p>
@@ -3287,6 +3288,180 @@
         </p:blipFill>
         <p:spPr>
           <a:xfrm>
+            <a:off x="382555" y="382555"/>
+            <a:ext cx="606490" cy="606490"/>
+          </a:xfrm>
+          <a:prstGeom prst="rect">
+            <a:avLst/>
+          </a:prstGeom>
+        </p:spPr>
+      </p:pic>
+      <p:pic>
+        <p:nvPicPr>
+          <p:cNvPr id="7" name="図 6">
+            <a:extLst>
+              <a:ext uri="{FF2B5EF4-FFF2-40B4-BE49-F238E27FC236}">
+                <a16:creationId xmlns:a16="http://schemas.microsoft.com/office/drawing/2014/main" id="{AC4C70C6-46D2-4F4C-90BA-2381B87DD27A}"/>
+              </a:ext>
+            </a:extLst>
+          </p:cNvPr>
+          <p:cNvPicPr>
+            <a:picLocks noChangeAspect="1"/>
+          </p:cNvPicPr>
+          <p:nvPr/>
+        </p:nvPicPr>
+        <p:blipFill>
+          <a:blip r:embed="rId3">
+            <a:extLst>
+              <a:ext uri="{28A0092B-C50C-407E-A947-70E740481C1C}">
+                <a14:useLocalDpi xmlns:a14="http://schemas.microsoft.com/office/drawing/2010/main" val="0"/>
+              </a:ext>
+            </a:extLst>
+          </a:blip>
+          <a:stretch>
+            <a:fillRect/>
+          </a:stretch>
+        </p:blipFill>
+        <p:spPr>
+          <a:xfrm>
+            <a:off x="8916955" y="382555"/>
+            <a:ext cx="606490" cy="606490"/>
+          </a:xfrm>
+          <a:prstGeom prst="rect">
+            <a:avLst/>
+          </a:prstGeom>
+        </p:spPr>
+      </p:pic>
+      <p:pic>
+        <p:nvPicPr>
+          <p:cNvPr id="9" name="図 8">
+            <a:extLst>
+              <a:ext uri="{FF2B5EF4-FFF2-40B4-BE49-F238E27FC236}">
+                <a16:creationId xmlns:a16="http://schemas.microsoft.com/office/drawing/2014/main" id="{B4D41F9B-4C22-4DE5-9970-93AE0F6B69AF}"/>
+              </a:ext>
+            </a:extLst>
+          </p:cNvPr>
+          <p:cNvPicPr>
+            <a:picLocks noChangeAspect="1"/>
+          </p:cNvPicPr>
+          <p:nvPr/>
+        </p:nvPicPr>
+        <p:blipFill>
+          <a:blip r:embed="rId4">
+            <a:extLst>
+              <a:ext uri="{28A0092B-C50C-407E-A947-70E740481C1C}">
+                <a14:useLocalDpi xmlns:a14="http://schemas.microsoft.com/office/drawing/2010/main" val="0"/>
+              </a:ext>
+            </a:extLst>
+          </a:blip>
+          <a:stretch>
+            <a:fillRect/>
+          </a:stretch>
+        </p:blipFill>
+        <p:spPr>
+          <a:xfrm>
+            <a:off x="8916955" y="5868955"/>
+            <a:ext cx="606490" cy="606490"/>
+          </a:xfrm>
+          <a:prstGeom prst="rect">
+            <a:avLst/>
+          </a:prstGeom>
+        </p:spPr>
+      </p:pic>
+      <p:pic>
+        <p:nvPicPr>
+          <p:cNvPr id="11" name="図 10">
+            <a:extLst>
+              <a:ext uri="{FF2B5EF4-FFF2-40B4-BE49-F238E27FC236}">
+                <a16:creationId xmlns:a16="http://schemas.microsoft.com/office/drawing/2014/main" id="{A58BE5B9-BB09-4178-B55C-EF129949E1B0}"/>
+              </a:ext>
+            </a:extLst>
+          </p:cNvPr>
+          <p:cNvPicPr>
+            <a:picLocks noChangeAspect="1"/>
+          </p:cNvPicPr>
+          <p:nvPr/>
+        </p:nvPicPr>
+        <p:blipFill>
+          <a:blip r:embed="rId5">
+            <a:extLst>
+              <a:ext uri="{28A0092B-C50C-407E-A947-70E740481C1C}">
+                <a14:useLocalDpi xmlns:a14="http://schemas.microsoft.com/office/drawing/2010/main" val="0"/>
+              </a:ext>
+            </a:extLst>
+          </a:blip>
+          <a:stretch>
+            <a:fillRect/>
+          </a:stretch>
+        </p:blipFill>
+        <p:spPr>
+          <a:xfrm>
+            <a:off x="382555" y="5868955"/>
+            <a:ext cx="606490" cy="606490"/>
+          </a:xfrm>
+          <a:prstGeom prst="rect">
+            <a:avLst/>
+          </a:prstGeom>
+        </p:spPr>
+      </p:pic>
+    </p:spTree>
+    <p:extLst>
+      <p:ext uri="{BB962C8B-B14F-4D97-AF65-F5344CB8AC3E}">
+        <p14:creationId xmlns:p14="http://schemas.microsoft.com/office/powerpoint/2010/main" val="2205298104"/>
+      </p:ext>
+    </p:extLst>
+  </p:cSld>
+  <p:clrMapOvr>
+    <a:masterClrMapping/>
+  </p:clrMapOvr>
+</p:sld>
+</file>
+
+<file path=ppt/slides/slide2.xml><?xml version="1.0" encoding="utf-8"?>
+<p:sld xmlns:a="http://schemas.openxmlformats.org/drawingml/2006/main" xmlns:r="http://schemas.openxmlformats.org/officeDocument/2006/relationships" xmlns:p="http://schemas.openxmlformats.org/presentationml/2006/main">
+  <p:cSld>
+    <p:spTree>
+      <p:nvGrpSpPr>
+        <p:cNvPr id="1" name=""/>
+        <p:cNvGrpSpPr/>
+        <p:nvPr/>
+      </p:nvGrpSpPr>
+      <p:grpSpPr>
+        <a:xfrm>
+          <a:off x="0" y="0"/>
+          <a:ext cx="0" cy="0"/>
+          <a:chOff x="0" y="0"/>
+          <a:chExt cx="0" cy="0"/>
+        </a:xfrm>
+      </p:grpSpPr>
+      <p:pic>
+        <p:nvPicPr>
+          <p:cNvPr id="5" name="図 4">
+            <a:extLst>
+              <a:ext uri="{FF2B5EF4-FFF2-40B4-BE49-F238E27FC236}">
+                <a16:creationId xmlns:a16="http://schemas.microsoft.com/office/drawing/2014/main" id="{3B01199D-3BA8-42F8-962E-EAAFFF6B232A}"/>
+              </a:ext>
+            </a:extLst>
+          </p:cNvPr>
+          <p:cNvPicPr>
+            <a:picLocks noChangeAspect="1"/>
+          </p:cNvPicPr>
+          <p:nvPr/>
+        </p:nvPicPr>
+        <p:blipFill>
+          <a:blip r:embed="rId2">
+            <a:extLst>
+              <a:ext uri="{28A0092B-C50C-407E-A947-70E740481C1C}">
+                <a14:useLocalDpi xmlns:a14="http://schemas.microsoft.com/office/drawing/2010/main" val="0"/>
+              </a:ext>
+            </a:extLst>
+          </a:blip>
+          <a:stretch>
+            <a:fillRect/>
+          </a:stretch>
+        </p:blipFill>
+        <p:spPr>
+          <a:xfrm>
             <a:off x="0" y="0"/>
             <a:ext cx="1371600" cy="1371600"/>
           </a:xfrm>
@@ -3486,7 +3661,7 @@
     </p:spTree>
     <p:extLst>
       <p:ext uri="{BB962C8B-B14F-4D97-AF65-F5344CB8AC3E}">
-        <p14:creationId xmlns:p14="http://schemas.microsoft.com/office/powerpoint/2010/main" val="2205298104"/>
+        <p14:creationId xmlns:p14="http://schemas.microsoft.com/office/powerpoint/2010/main" val="2815826369"/>
       </p:ext>
     </p:extLst>
   </p:cSld>
